--- a/Classifying PMGSY Scheme by Ganta Kalyan.pptx
+++ b/Classifying PMGSY Scheme by Ganta Kalyan.pptx
@@ -5,7 +5,7 @@
     <p:sldMasterId id="2147483712" r:id="rId4"/>
   </p:sldMasterIdLst>
   <p:notesMasterIdLst>
-    <p:notesMasterId r:id="rId23"/>
+    <p:notesMasterId r:id="rId24"/>
   </p:notesMasterIdLst>
   <p:sldIdLst>
     <p:sldId id="256" r:id="rId5"/>
@@ -25,10 +25,11 @@
     <p:sldId id="2146847059" r:id="rId19"/>
     <p:sldId id="2146847060" r:id="rId20"/>
     <p:sldId id="2146847061" r:id="rId21"/>
-    <p:sldId id="259" r:id="rId22"/>
+    <p:sldId id="2146847066" r:id="rId22"/>
+    <p:sldId id="259" r:id="rId23"/>
   </p:sldIdLst>
   <p:sldSz cx="12192000" cy="6858000"/>
-  <p:notesSz cx="6858000" cy="9144000"/>
+  <p:notesSz cx="7315200" cy="9601200"/>
   <p:defaultTextStyle>
     <a:defPPr>
       <a:defRPr lang="en-US"/>
@@ -167,17 +168,17 @@
         <p:spPr>
           <a:xfrm>
             <a:off x="0" y="0"/>
-            <a:ext cx="2971800" cy="458788"/>
+            <a:ext cx="3169920" cy="481727"/>
           </a:xfrm>
           <a:prstGeom prst="rect">
             <a:avLst/>
           </a:prstGeom>
         </p:spPr>
         <p:txBody>
-          <a:bodyPr vert="horz" lIns="91440" tIns="45720" rIns="91440" bIns="45720" rtlCol="0"/>
+          <a:bodyPr vert="horz" lIns="96661" tIns="48331" rIns="96661" bIns="48331" rtlCol="0"/>
           <a:lstStyle>
             <a:lvl1pPr algn="l">
-              <a:defRPr sz="1200"/>
+              <a:defRPr sz="1300"/>
             </a:lvl1pPr>
           </a:lstStyle>
           <a:p>
@@ -197,18 +198,18 @@
         </p:nvSpPr>
         <p:spPr>
           <a:xfrm>
-            <a:off x="3884613" y="0"/>
-            <a:ext cx="2971800" cy="458788"/>
+            <a:off x="4143587" y="0"/>
+            <a:ext cx="3169920" cy="481727"/>
           </a:xfrm>
           <a:prstGeom prst="rect">
             <a:avLst/>
           </a:prstGeom>
         </p:spPr>
         <p:txBody>
-          <a:bodyPr vert="horz" lIns="91440" tIns="45720" rIns="91440" bIns="45720" rtlCol="0"/>
+          <a:bodyPr vert="horz" lIns="96661" tIns="48331" rIns="96661" bIns="48331" rtlCol="0"/>
           <a:lstStyle>
             <a:lvl1pPr algn="r">
-              <a:defRPr sz="1200"/>
+              <a:defRPr sz="1300"/>
             </a:lvl1pPr>
           </a:lstStyle>
           <a:p>
@@ -232,8 +233,8 @@
         </p:nvSpPr>
         <p:spPr>
           <a:xfrm>
-            <a:off x="685800" y="1143000"/>
-            <a:ext cx="5486400" cy="3086100"/>
+            <a:off x="777875" y="1200150"/>
+            <a:ext cx="5759450" cy="3240088"/>
           </a:xfrm>
           <a:prstGeom prst="rect">
             <a:avLst/>
@@ -246,7 +247,7 @@
           </a:ln>
         </p:spPr>
         <p:txBody>
-          <a:bodyPr vert="horz" lIns="91440" tIns="45720" rIns="91440" bIns="45720" rtlCol="0" anchor="ctr"/>
+          <a:bodyPr vert="horz" lIns="96661" tIns="48331" rIns="96661" bIns="48331" rtlCol="0" anchor="ctr"/>
           <a:lstStyle/>
           <a:p>
             <a:endParaRPr lang="en-IN"/>
@@ -265,15 +266,15 @@
         </p:nvSpPr>
         <p:spPr>
           <a:xfrm>
-            <a:off x="685800" y="4400550"/>
-            <a:ext cx="5486400" cy="3600450"/>
+            <a:off x="731520" y="4620577"/>
+            <a:ext cx="5852160" cy="3780473"/>
           </a:xfrm>
           <a:prstGeom prst="rect">
             <a:avLst/>
           </a:prstGeom>
         </p:spPr>
         <p:txBody>
-          <a:bodyPr vert="horz" lIns="91440" tIns="45720" rIns="91440" bIns="45720" rtlCol="0"/>
+          <a:bodyPr vert="horz" lIns="96661" tIns="48331" rIns="96661" bIns="48331" rtlCol="0"/>
           <a:lstStyle/>
           <a:p>
             <a:pPr lvl="0"/>
@@ -325,18 +326,18 @@
         </p:nvSpPr>
         <p:spPr>
           <a:xfrm>
-            <a:off x="0" y="8685213"/>
-            <a:ext cx="2971800" cy="458787"/>
+            <a:off x="0" y="9119474"/>
+            <a:ext cx="3169920" cy="481726"/>
           </a:xfrm>
           <a:prstGeom prst="rect">
             <a:avLst/>
           </a:prstGeom>
         </p:spPr>
         <p:txBody>
-          <a:bodyPr vert="horz" lIns="91440" tIns="45720" rIns="91440" bIns="45720" rtlCol="0" anchor="b"/>
+          <a:bodyPr vert="horz" lIns="96661" tIns="48331" rIns="96661" bIns="48331" rtlCol="0" anchor="b"/>
           <a:lstStyle>
             <a:lvl1pPr algn="l">
-              <a:defRPr sz="1200"/>
+              <a:defRPr sz="1300"/>
             </a:lvl1pPr>
           </a:lstStyle>
           <a:p>
@@ -356,18 +357,18 @@
         </p:nvSpPr>
         <p:spPr>
           <a:xfrm>
-            <a:off x="3884613" y="8685213"/>
-            <a:ext cx="2971800" cy="458787"/>
+            <a:off x="4143587" y="9119474"/>
+            <a:ext cx="3169920" cy="481726"/>
           </a:xfrm>
           <a:prstGeom prst="rect">
             <a:avLst/>
           </a:prstGeom>
         </p:spPr>
         <p:txBody>
-          <a:bodyPr vert="horz" lIns="91440" tIns="45720" rIns="91440" bIns="45720" rtlCol="0" anchor="b"/>
+          <a:bodyPr vert="horz" lIns="96661" tIns="48331" rIns="96661" bIns="48331" rtlCol="0" anchor="b"/>
           <a:lstStyle>
             <a:lvl1pPr algn="r">
-              <a:defRPr sz="1200"/>
+              <a:defRPr sz="1300"/>
             </a:lvl1pPr>
           </a:lstStyle>
           <a:p>
@@ -4598,7 +4599,7 @@
           <a:p>
             <a:pPr algn="ctr"/>
             <a:r>
-              <a:rPr lang="en-US" sz="3200" b="1" dirty="0">
+              <a:rPr lang="en-US" sz="3200" b="1">
                 <a:solidFill>
                   <a:schemeClr val="accent1">
                     <a:lumMod val="75000"/>
@@ -4607,7 +4608,19 @@
                 <a:latin typeface="Arial"/>
                 <a:cs typeface="Arial"/>
               </a:rPr>
-              <a:t>IBM AICT PROJECT</a:t>
+              <a:t>IBM AICTE </a:t>
+            </a:r>
+            <a:r>
+              <a:rPr lang="en-US" sz="3200" b="1" dirty="0">
+                <a:solidFill>
+                  <a:schemeClr val="accent1">
+                    <a:lumMod val="75000"/>
+                  </a:schemeClr>
+                </a:solidFill>
+                <a:latin typeface="Arial"/>
+                <a:cs typeface="Arial"/>
+              </a:rPr>
+              <a:t>PROJECT</a:t>
             </a:r>
           </a:p>
         </p:txBody>
@@ -5839,6 +5852,112 @@
 </file>
 
 <file path=ppt/slides/slide18.xml><?xml version="1.0" encoding="utf-8"?>
+<p:sld xmlns:a="http://schemas.openxmlformats.org/drawingml/2006/main" xmlns:r="http://schemas.openxmlformats.org/officeDocument/2006/relationships" xmlns:p="http://schemas.openxmlformats.org/presentationml/2006/main">
+  <p:cSld>
+    <p:spTree>
+      <p:nvGrpSpPr>
+        <p:cNvPr id="1" name=""/>
+        <p:cNvGrpSpPr/>
+        <p:nvPr/>
+      </p:nvGrpSpPr>
+      <p:grpSpPr>
+        <a:xfrm>
+          <a:off x="0" y="0"/>
+          <a:ext cx="0" cy="0"/>
+          <a:chOff x="0" y="0"/>
+          <a:chExt cx="0" cy="0"/>
+        </a:xfrm>
+      </p:grpSpPr>
+      <p:sp>
+        <p:nvSpPr>
+          <p:cNvPr id="2" name="Title 1">
+            <a:extLst>
+              <a:ext uri="{FF2B5EF4-FFF2-40B4-BE49-F238E27FC236}">
+                <a16:creationId xmlns:a16="http://schemas.microsoft.com/office/drawing/2014/main" id="{B795DACA-AE08-3C34-0415-13C961A021EE}"/>
+              </a:ext>
+            </a:extLst>
+          </p:cNvPr>
+          <p:cNvSpPr>
+            <a:spLocks noGrp="1"/>
+          </p:cNvSpPr>
+          <p:nvPr>
+            <p:ph type="title"/>
+          </p:nvPr>
+        </p:nvSpPr>
+        <p:spPr>
+          <a:xfrm>
+            <a:off x="1456261" y="3348518"/>
+            <a:ext cx="11029616" cy="530296"/>
+          </a:xfrm>
+        </p:spPr>
+        <p:txBody>
+          <a:bodyPr/>
+          <a:lstStyle/>
+          <a:p>
+            <a:r>
+              <a:rPr lang="en-US" dirty="0" err="1"/>
+              <a:t>Github</a:t>
+            </a:r>
+            <a:r>
+              <a:rPr lang="en-US" dirty="0"/>
+              <a:t> link : </a:t>
+            </a:r>
+            <a:endParaRPr lang="en-IN" dirty="0"/>
+          </a:p>
+        </p:txBody>
+      </p:sp>
+      <p:sp>
+        <p:nvSpPr>
+          <p:cNvPr id="5" name="TextBox 4">
+            <a:extLst>
+              <a:ext uri="{FF2B5EF4-FFF2-40B4-BE49-F238E27FC236}">
+                <a16:creationId xmlns:a16="http://schemas.microsoft.com/office/drawing/2014/main" id="{7991828D-15C1-9347-8276-418A008E24C8}"/>
+              </a:ext>
+            </a:extLst>
+          </p:cNvPr>
+          <p:cNvSpPr txBox="1"/>
+          <p:nvPr/>
+        </p:nvSpPr>
+        <p:spPr>
+          <a:xfrm>
+            <a:off x="4011562" y="3429000"/>
+            <a:ext cx="6096000" cy="369332"/>
+          </a:xfrm>
+          <a:prstGeom prst="rect">
+            <a:avLst/>
+          </a:prstGeom>
+          <a:noFill/>
+        </p:spPr>
+        <p:txBody>
+          <a:bodyPr wrap="square">
+            <a:spAutoFit/>
+          </a:bodyPr>
+          <a:lstStyle/>
+          <a:p>
+            <a:r>
+              <a:rPr lang="en-IN" dirty="0">
+                <a:hlinkClick r:id="rId2"/>
+              </a:rPr>
+              <a:t>https://github.com/GantaKalyan/IBM_Internship</a:t>
+            </a:r>
+            <a:endParaRPr lang="en-IN" dirty="0"/>
+          </a:p>
+        </p:txBody>
+      </p:sp>
+    </p:spTree>
+    <p:extLst>
+      <p:ext uri="{BB962C8B-B14F-4D97-AF65-F5344CB8AC3E}">
+        <p14:creationId xmlns:p14="http://schemas.microsoft.com/office/powerpoint/2010/main" val="3666101643"/>
+      </p:ext>
+    </p:extLst>
+  </p:cSld>
+  <p:clrMapOvr>
+    <a:masterClrMapping/>
+  </p:clrMapOvr>
+</p:sld>
+</file>
+
+<file path=ppt/slides/slide19.xml><?xml version="1.0" encoding="utf-8"?>
 <p:sld xmlns:a="http://schemas.openxmlformats.org/drawingml/2006/main" xmlns:r="http://schemas.openxmlformats.org/officeDocument/2006/relationships" xmlns:p="http://schemas.openxmlformats.org/presentationml/2006/main">
   <p:cSld>
     <p:spTree>
@@ -8835,15 +8954,15 @@
 <ds:datastoreItem xmlns:ds="http://schemas.openxmlformats.org/officeDocument/2006/customXml" ds:itemID="{8D289AE2-D2AE-49D1-AFAC-3A79F6794255}">
   <ds:schemaRefs>
     <ds:schemaRef ds:uri="9162bd5b-4ed9-4da3-b376-05204580ba3f"/>
+    <ds:schemaRef ds:uri="http://purl.org/dc/dcmitype/"/>
+    <ds:schemaRef ds:uri="http://www.w3.org/XML/1998/namespace"/>
+    <ds:schemaRef ds:uri="http://purl.org/dc/elements/1.1/"/>
+    <ds:schemaRef ds:uri="http://schemas.microsoft.com/office/2006/documentManagement/types"/>
+    <ds:schemaRef ds:uri="http://schemas.microsoft.com/office/infopath/2007/PartnerControls"/>
+    <ds:schemaRef ds:uri="http://purl.org/dc/terms/"/>
+    <ds:schemaRef ds:uri="http://schemas.openxmlformats.org/package/2006/metadata/core-properties"/>
     <ds:schemaRef ds:uri="c0fa2617-96bd-425d-8578-e93563fe37c5"/>
-    <ds:schemaRef ds:uri="http://purl.org/dc/dcmitype/"/>
-    <ds:schemaRef ds:uri="http://purl.org/dc/elements/1.1/"/>
-    <ds:schemaRef ds:uri="http://purl.org/dc/terms/"/>
-    <ds:schemaRef ds:uri="http://schemas.microsoft.com/office/2006/documentManagement/types"/>
     <ds:schemaRef ds:uri="http://schemas.microsoft.com/office/2006/metadata/properties"/>
-    <ds:schemaRef ds:uri="http://schemas.microsoft.com/office/infopath/2007/PartnerControls"/>
-    <ds:schemaRef ds:uri="http://schemas.openxmlformats.org/package/2006/metadata/core-properties"/>
-    <ds:schemaRef ds:uri="http://www.w3.org/XML/1998/namespace"/>
   </ds:schemaRefs>
 </ds:datastoreItem>
 </file>
